--- a/2. ART405 - Honours Project Proposal and Development/Presentation~ At the end of that life - Crossroads.pptx
+++ b/2. ART405 - Honours Project Proposal and Development/Presentation~ At the end of that life - Crossroads.pptx
@@ -5,11 +5,14 @@
     <p:sldMasterId id="2147483648" r:id="rId1"/>
   </p:sldMasterIdLst>
   <p:notesMasterIdLst>
-    <p:notesMasterId r:id="rId4"/>
+    <p:notesMasterId r:id="rId7"/>
   </p:notesMasterIdLst>
   <p:sldIdLst>
     <p:sldId id="256" r:id="rId2"/>
     <p:sldId id="257" r:id="rId3"/>
+    <p:sldId id="258" r:id="rId4"/>
+    <p:sldId id="259" r:id="rId5"/>
+    <p:sldId id="260" r:id="rId6"/>
   </p:sldIdLst>
   <p:sldSz cx="12192000" cy="6858000"/>
   <p:notesSz cx="6858000" cy="9144000"/>
@@ -108,6 +111,11 @@
       </a:defRPr>
     </a:lvl9pPr>
   </p:defaultTextStyle>
+  <p:extLst>
+    <p:ext uri="{EFAFB233-063F-42B5-8137-9DF3F51BA10A}">
+      <p15:sldGuideLst xmlns:p15="http://schemas.microsoft.com/office/powerpoint/2012/main"/>
+    </p:ext>
+  </p:extLst>
 </p:presentation>
 </file>
 
@@ -193,7 +201,7 @@
           <a:p>
             <a:fld id="{91EC2A8B-B824-4C8C-9D49-45DA5A232DEE}" type="datetimeFigureOut">
               <a:rPr lang="en-IN" smtClean="0"/>
-              <a:t>29-10-2022</a:t>
+              <a:t>30-10-2022</a:t>
             </a:fld>
             <a:endParaRPr lang="en-IN"/>
           </a:p>
@@ -600,12 +608,8 @@
           <a:lstStyle/>
           <a:p>
             <a:r>
-              <a:rPr lang="en-IN"/>
-              <a:t>The </a:t>
-            </a:r>
-            <a:r>
               <a:rPr lang="en-IN" dirty="0"/>
-              <a:t>game will have a top down, isometric view which is like to Disco Elysium. Since we are trying to tell a story, the game mechanics will be based on the story and it will be mostly linear. This has been inspired from “What remains of Edith Finch” which tells us the story of the deaths in a family. The gameplay is very narrative driven and is unlike any having effortless, easy and yet unique puzzles. </a:t>
+              <a:t>The game will have a top down, isometric view which is like to Disco Elysium. Since we are trying to tell a story, the game mechanics will be based on the story and it will be mostly linear. This has been inspired from “What remains of Edith Finch” which tells us the story of the deaths in a family. The gameplay is very narrative driven and is unlike any having effortless, easy and yet unique puzzles. </a:t>
             </a:r>
           </a:p>
           <a:p>
@@ -614,7 +618,7 @@
           <a:p>
             <a:r>
               <a:rPr lang="en-IN" dirty="0"/>
-              <a:t>I’ve always liked prototyping games. Since this is my hons year, I wanted to work on something more challenging and this project is a bit more ambitious that the other games I’ve worked on. It will be helpful to have it on my portfolio as I want to start my own Studio. This will showcase my design and development skills as well as being the team lead will show my project management. </a:t>
+              <a:t>I’ve always liked prototyping games. Since this is my hons year project, I wanted to work on something more challenging and this project is a bit more ambitious that the other games I’ve worked on. It will be helpful to have it on my portfolio as I want to start my own Studio. This will showcase my design and development skills as well as being the team lead will show my project management.</a:t>
             </a:r>
           </a:p>
         </p:txBody>
@@ -646,6 +650,546 @@
     <p:extLst>
       <p:ext uri="{BB962C8B-B14F-4D97-AF65-F5344CB8AC3E}">
         <p14:creationId xmlns:p14="http://schemas.microsoft.com/office/powerpoint/2010/main" val="2489644558"/>
+      </p:ext>
+    </p:extLst>
+  </p:cSld>
+  <p:clrMapOvr>
+    <a:masterClrMapping/>
+  </p:clrMapOvr>
+</p:notes>
+</file>
+
+<file path=ppt/notesSlides/notesSlide3.xml><?xml version="1.0" encoding="utf-8"?>
+<p:notes xmlns:a="http://schemas.openxmlformats.org/drawingml/2006/main" xmlns:r="http://schemas.openxmlformats.org/officeDocument/2006/relationships" xmlns:p="http://schemas.openxmlformats.org/presentationml/2006/main">
+  <p:cSld>
+    <p:spTree>
+      <p:nvGrpSpPr>
+        <p:cNvPr id="1" name=""/>
+        <p:cNvGrpSpPr/>
+        <p:nvPr/>
+      </p:nvGrpSpPr>
+      <p:grpSpPr>
+        <a:xfrm>
+          <a:off x="0" y="0"/>
+          <a:ext cx="0" cy="0"/>
+          <a:chOff x="0" y="0"/>
+          <a:chExt cx="0" cy="0"/>
+        </a:xfrm>
+      </p:grpSpPr>
+      <p:sp>
+        <p:nvSpPr>
+          <p:cNvPr id="2" name="Slide Image Placeholder 1"/>
+          <p:cNvSpPr>
+            <a:spLocks noGrp="1" noRot="1" noChangeAspect="1"/>
+          </p:cNvSpPr>
+          <p:nvPr>
+            <p:ph type="sldImg"/>
+          </p:nvPr>
+        </p:nvSpPr>
+        <p:spPr/>
+      </p:sp>
+      <p:sp>
+        <p:nvSpPr>
+          <p:cNvPr id="3" name="Notes Placeholder 2"/>
+          <p:cNvSpPr>
+            <a:spLocks noGrp="1"/>
+          </p:cNvSpPr>
+          <p:nvPr>
+            <p:ph type="body" idx="1"/>
+          </p:nvPr>
+        </p:nvSpPr>
+        <p:spPr/>
+        <p:txBody>
+          <a:bodyPr/>
+          <a:lstStyle/>
+          <a:p>
+            <a:pPr marL="0" marR="0" lvl="0" indent="0" algn="l" defTabSz="914400" rtl="0" eaLnBrk="1" fontAlgn="auto" latinLnBrk="0" hangingPunct="1">
+              <a:lnSpc>
+                <a:spcPct val="100000"/>
+              </a:lnSpc>
+              <a:spcBef>
+                <a:spcPts val="0"/>
+              </a:spcBef>
+              <a:spcAft>
+                <a:spcPts val="0"/>
+              </a:spcAft>
+              <a:buClrTx/>
+              <a:buSzTx/>
+              <a:buFontTx/>
+              <a:buNone/>
+              <a:tabLst/>
+              <a:defRPr/>
+            </a:pPr>
+            <a:r>
+              <a:rPr lang="en-IN" b="0" dirty="0"/>
+              <a:t>The aim for my research is </a:t>
+            </a:r>
+            <a:r>
+              <a:rPr lang="en-GB" b="0" dirty="0">
+                <a:solidFill>
+                  <a:schemeClr val="accent4">
+                    <a:lumMod val="60000"/>
+                    <a:lumOff val="40000"/>
+                  </a:schemeClr>
+                </a:solidFill>
+              </a:rPr>
+              <a:t>To explore the interplay between narrative and game design and how to shape game design around a narrative by the creation of “narrative puzzles”.</a:t>
+            </a:r>
+            <a:endParaRPr lang="en-IN" b="0" dirty="0">
+              <a:solidFill>
+                <a:schemeClr val="accent4">
+                  <a:lumMod val="60000"/>
+                  <a:lumOff val="40000"/>
+                </a:schemeClr>
+              </a:solidFill>
+            </a:endParaRPr>
+          </a:p>
+          <a:p>
+            <a:pPr marL="0" marR="0" lvl="0" indent="0" algn="l" defTabSz="914400" rtl="0" eaLnBrk="1" fontAlgn="auto" latinLnBrk="0" hangingPunct="1">
+              <a:lnSpc>
+                <a:spcPct val="100000"/>
+              </a:lnSpc>
+              <a:spcBef>
+                <a:spcPts val="0"/>
+              </a:spcBef>
+              <a:spcAft>
+                <a:spcPts val="0"/>
+              </a:spcAft>
+              <a:buClrTx/>
+              <a:buSzTx/>
+              <a:buFontTx/>
+              <a:buNone/>
+              <a:tabLst/>
+              <a:defRPr/>
+            </a:pPr>
+            <a:r>
+              <a:rPr lang="en-US" b="0" dirty="0">
+                <a:solidFill>
+                  <a:schemeClr val="accent4">
+                    <a:lumMod val="60000"/>
+                    <a:lumOff val="40000"/>
+                  </a:schemeClr>
+                </a:solidFill>
+              </a:rPr>
+              <a:t>To achieve this aim, I’ve broken it down into the following objectives.</a:t>
+            </a:r>
+          </a:p>
+          <a:p>
+            <a:pPr marL="0" marR="0" lvl="0" indent="0" algn="l" defTabSz="914400" rtl="0" eaLnBrk="1" fontAlgn="auto" latinLnBrk="0" hangingPunct="1">
+              <a:lnSpc>
+                <a:spcPct val="100000"/>
+              </a:lnSpc>
+              <a:spcBef>
+                <a:spcPts val="0"/>
+              </a:spcBef>
+              <a:spcAft>
+                <a:spcPts val="0"/>
+              </a:spcAft>
+              <a:buClrTx/>
+              <a:buSzTx/>
+              <a:buFontTx/>
+              <a:buNone/>
+              <a:tabLst/>
+              <a:defRPr/>
+            </a:pPr>
+            <a:endParaRPr lang="en-US" b="0" dirty="0">
+              <a:solidFill>
+                <a:schemeClr val="accent4">
+                  <a:lumMod val="60000"/>
+                  <a:lumOff val="40000"/>
+                </a:schemeClr>
+              </a:solidFill>
+            </a:endParaRPr>
+          </a:p>
+          <a:p>
+            <a:pPr marL="171450" marR="0" lvl="0" indent="-171450" algn="l" defTabSz="914400" rtl="0" eaLnBrk="1" fontAlgn="auto" latinLnBrk="0" hangingPunct="1">
+              <a:lnSpc>
+                <a:spcPct val="100000"/>
+              </a:lnSpc>
+              <a:spcBef>
+                <a:spcPts val="0"/>
+              </a:spcBef>
+              <a:spcAft>
+                <a:spcPts val="0"/>
+              </a:spcAft>
+              <a:buClrTx/>
+              <a:buSzTx/>
+              <a:buFontTx/>
+              <a:buChar char="-"/>
+              <a:tabLst/>
+              <a:defRPr/>
+            </a:pPr>
+            <a:r>
+              <a:rPr lang="en-US" b="0" dirty="0">
+                <a:solidFill>
+                  <a:schemeClr val="accent4">
+                    <a:lumMod val="60000"/>
+                    <a:lumOff val="40000"/>
+                  </a:schemeClr>
+                </a:solidFill>
+              </a:rPr>
+              <a:t>Reading books on game design and watching GDC talks by developers and designers about choices and narrative games.</a:t>
+            </a:r>
+          </a:p>
+          <a:p>
+            <a:pPr marL="171450" marR="0" lvl="0" indent="-171450" algn="l" defTabSz="914400" rtl="0" eaLnBrk="1" fontAlgn="auto" latinLnBrk="0" hangingPunct="1">
+              <a:lnSpc>
+                <a:spcPct val="100000"/>
+              </a:lnSpc>
+              <a:spcBef>
+                <a:spcPts val="0"/>
+              </a:spcBef>
+              <a:spcAft>
+                <a:spcPts val="0"/>
+              </a:spcAft>
+              <a:buClrTx/>
+              <a:buSzTx/>
+              <a:buFontTx/>
+              <a:buChar char="-"/>
+              <a:tabLst/>
+              <a:defRPr/>
+            </a:pPr>
+            <a:r>
+              <a:rPr lang="en-US" b="0" dirty="0">
+                <a:solidFill>
+                  <a:schemeClr val="accent4">
+                    <a:lumMod val="60000"/>
+                    <a:lumOff val="40000"/>
+                  </a:schemeClr>
+                </a:solidFill>
+              </a:rPr>
+              <a:t>Exploring other games which are narrative driven rather than by puzzles and breakdown their gameplay to what works and not.</a:t>
+            </a:r>
+          </a:p>
+          <a:p>
+            <a:pPr marL="171450" marR="0" lvl="0" indent="-171450" algn="l" defTabSz="914400" rtl="0" eaLnBrk="1" fontAlgn="auto" latinLnBrk="0" hangingPunct="1">
+              <a:lnSpc>
+                <a:spcPct val="100000"/>
+              </a:lnSpc>
+              <a:spcBef>
+                <a:spcPts val="0"/>
+              </a:spcBef>
+              <a:spcAft>
+                <a:spcPts val="0"/>
+              </a:spcAft>
+              <a:buClrTx/>
+              <a:buSzTx/>
+              <a:buFontTx/>
+              <a:buChar char="-"/>
+              <a:tabLst/>
+              <a:defRPr/>
+            </a:pPr>
+            <a:r>
+              <a:rPr lang="en-US" b="0" dirty="0">
+                <a:solidFill>
+                  <a:schemeClr val="accent4">
+                    <a:lumMod val="60000"/>
+                    <a:lumOff val="40000"/>
+                  </a:schemeClr>
+                </a:solidFill>
+              </a:rPr>
+              <a:t>Identifying main events in the narrative of my game and deciding how to go about gamer progression.</a:t>
+            </a:r>
+          </a:p>
+          <a:p>
+            <a:pPr marL="171450" marR="0" lvl="0" indent="-171450" algn="l" defTabSz="914400" rtl="0" eaLnBrk="1" fontAlgn="auto" latinLnBrk="0" hangingPunct="1">
+              <a:lnSpc>
+                <a:spcPct val="100000"/>
+              </a:lnSpc>
+              <a:spcBef>
+                <a:spcPts val="0"/>
+              </a:spcBef>
+              <a:spcAft>
+                <a:spcPts val="0"/>
+              </a:spcAft>
+              <a:buClrTx/>
+              <a:buSzTx/>
+              <a:buFontTx/>
+              <a:buChar char="-"/>
+              <a:tabLst/>
+              <a:defRPr/>
+            </a:pPr>
+            <a:r>
+              <a:rPr lang="en-US" b="0" dirty="0">
+                <a:solidFill>
+                  <a:schemeClr val="accent4">
+                    <a:lumMod val="60000"/>
+                    <a:lumOff val="40000"/>
+                  </a:schemeClr>
+                </a:solidFill>
+              </a:rPr>
+              <a:t>Working in engine on different systems that make the game like dialogue, ai and movement.</a:t>
+            </a:r>
+          </a:p>
+          <a:p>
+            <a:pPr marL="171450" marR="0" lvl="0" indent="-171450" algn="l" defTabSz="914400" rtl="0" eaLnBrk="1" fontAlgn="auto" latinLnBrk="0" hangingPunct="1">
+              <a:lnSpc>
+                <a:spcPct val="100000"/>
+              </a:lnSpc>
+              <a:spcBef>
+                <a:spcPts val="0"/>
+              </a:spcBef>
+              <a:spcAft>
+                <a:spcPts val="0"/>
+              </a:spcAft>
+              <a:buClrTx/>
+              <a:buSzTx/>
+              <a:buFontTx/>
+              <a:buChar char="-"/>
+              <a:tabLst/>
+              <a:defRPr/>
+            </a:pPr>
+            <a:r>
+              <a:rPr lang="en-US" b="0" dirty="0">
+                <a:solidFill>
+                  <a:schemeClr val="accent4">
+                    <a:lumMod val="60000"/>
+                    <a:lumOff val="40000"/>
+                  </a:schemeClr>
+                </a:solidFill>
+              </a:rPr>
+              <a:t>Making a prototype to convey the story in a fun and immersive way.</a:t>
+            </a:r>
+          </a:p>
+        </p:txBody>
+      </p:sp>
+      <p:sp>
+        <p:nvSpPr>
+          <p:cNvPr id="4" name="Slide Number Placeholder 3"/>
+          <p:cNvSpPr>
+            <a:spLocks noGrp="1"/>
+          </p:cNvSpPr>
+          <p:nvPr>
+            <p:ph type="sldNum" sz="quarter" idx="5"/>
+          </p:nvPr>
+        </p:nvSpPr>
+        <p:spPr/>
+        <p:txBody>
+          <a:bodyPr/>
+          <a:lstStyle/>
+          <a:p>
+            <a:fld id="{7CFFBB67-A05D-4BF7-A944-B32B8F114F55}" type="slidenum">
+              <a:rPr lang="en-IN" smtClean="0"/>
+              <a:t>3</a:t>
+            </a:fld>
+            <a:endParaRPr lang="en-IN"/>
+          </a:p>
+        </p:txBody>
+      </p:sp>
+    </p:spTree>
+    <p:extLst>
+      <p:ext uri="{BB962C8B-B14F-4D97-AF65-F5344CB8AC3E}">
+        <p14:creationId xmlns:p14="http://schemas.microsoft.com/office/powerpoint/2010/main" val="744384384"/>
+      </p:ext>
+    </p:extLst>
+  </p:cSld>
+  <p:clrMapOvr>
+    <a:masterClrMapping/>
+  </p:clrMapOvr>
+</p:notes>
+</file>
+
+<file path=ppt/notesSlides/notesSlide4.xml><?xml version="1.0" encoding="utf-8"?>
+<p:notes xmlns:a="http://schemas.openxmlformats.org/drawingml/2006/main" xmlns:r="http://schemas.openxmlformats.org/officeDocument/2006/relationships" xmlns:p="http://schemas.openxmlformats.org/presentationml/2006/main">
+  <p:cSld>
+    <p:spTree>
+      <p:nvGrpSpPr>
+        <p:cNvPr id="1" name=""/>
+        <p:cNvGrpSpPr/>
+        <p:nvPr/>
+      </p:nvGrpSpPr>
+      <p:grpSpPr>
+        <a:xfrm>
+          <a:off x="0" y="0"/>
+          <a:ext cx="0" cy="0"/>
+          <a:chOff x="0" y="0"/>
+          <a:chExt cx="0" cy="0"/>
+        </a:xfrm>
+      </p:grpSpPr>
+      <p:sp>
+        <p:nvSpPr>
+          <p:cNvPr id="2" name="Slide Image Placeholder 1"/>
+          <p:cNvSpPr>
+            <a:spLocks noGrp="1" noRot="1" noChangeAspect="1"/>
+          </p:cNvSpPr>
+          <p:nvPr>
+            <p:ph type="sldImg"/>
+          </p:nvPr>
+        </p:nvSpPr>
+        <p:spPr/>
+      </p:sp>
+      <p:sp>
+        <p:nvSpPr>
+          <p:cNvPr id="3" name="Notes Placeholder 2"/>
+          <p:cNvSpPr>
+            <a:spLocks noGrp="1"/>
+          </p:cNvSpPr>
+          <p:nvPr>
+            <p:ph type="body" idx="1"/>
+          </p:nvPr>
+        </p:nvSpPr>
+        <p:spPr/>
+        <p:txBody>
+          <a:bodyPr/>
+          <a:lstStyle/>
+          <a:p>
+            <a:r>
+              <a:rPr lang="en-US" b="1" i="0" dirty="0">
+                <a:solidFill>
+                  <a:srgbClr val="565A5C"/>
+                </a:solidFill>
+                <a:effectLst/>
+                <a:latin typeface="Lato" panose="020F0502020204030203" pitchFamily="34" charset="0"/>
+              </a:rPr>
+              <a:t>What have you identified as the key related work for your project? This could be texts you have read/will read, industry or market reports, professional publications or talks, other artists or practitioners, or existing games, art, or media linked to your research topic. Consider the research context section of your proposal when preparing this slide.</a:t>
+            </a:r>
+          </a:p>
+          <a:p>
+            <a:endParaRPr lang="en-US" b="1" i="0" dirty="0">
+              <a:solidFill>
+                <a:srgbClr val="565A5C"/>
+              </a:solidFill>
+              <a:effectLst/>
+              <a:latin typeface="Lato" panose="020F0502020204030203" pitchFamily="34" charset="0"/>
+            </a:endParaRPr>
+          </a:p>
+          <a:p>
+            <a:endParaRPr lang="en-IN" b="1" dirty="0"/>
+          </a:p>
+        </p:txBody>
+      </p:sp>
+      <p:sp>
+        <p:nvSpPr>
+          <p:cNvPr id="4" name="Slide Number Placeholder 3"/>
+          <p:cNvSpPr>
+            <a:spLocks noGrp="1"/>
+          </p:cNvSpPr>
+          <p:nvPr>
+            <p:ph type="sldNum" sz="quarter" idx="5"/>
+          </p:nvPr>
+        </p:nvSpPr>
+        <p:spPr/>
+        <p:txBody>
+          <a:bodyPr/>
+          <a:lstStyle/>
+          <a:p>
+            <a:fld id="{7CFFBB67-A05D-4BF7-A944-B32B8F114F55}" type="slidenum">
+              <a:rPr lang="en-IN" smtClean="0"/>
+              <a:t>4</a:t>
+            </a:fld>
+            <a:endParaRPr lang="en-IN"/>
+          </a:p>
+        </p:txBody>
+      </p:sp>
+    </p:spTree>
+    <p:extLst>
+      <p:ext uri="{BB962C8B-B14F-4D97-AF65-F5344CB8AC3E}">
+        <p14:creationId xmlns:p14="http://schemas.microsoft.com/office/powerpoint/2010/main" val="3056548642"/>
+      </p:ext>
+    </p:extLst>
+  </p:cSld>
+  <p:clrMapOvr>
+    <a:masterClrMapping/>
+  </p:clrMapOvr>
+</p:notes>
+</file>
+
+<file path=ppt/notesSlides/notesSlide5.xml><?xml version="1.0" encoding="utf-8"?>
+<p:notes xmlns:a="http://schemas.openxmlformats.org/drawingml/2006/main" xmlns:r="http://schemas.openxmlformats.org/officeDocument/2006/relationships" xmlns:p="http://schemas.openxmlformats.org/presentationml/2006/main">
+  <p:cSld>
+    <p:spTree>
+      <p:nvGrpSpPr>
+        <p:cNvPr id="1" name=""/>
+        <p:cNvGrpSpPr/>
+        <p:nvPr/>
+      </p:nvGrpSpPr>
+      <p:grpSpPr>
+        <a:xfrm>
+          <a:off x="0" y="0"/>
+          <a:ext cx="0" cy="0"/>
+          <a:chOff x="0" y="0"/>
+          <a:chExt cx="0" cy="0"/>
+        </a:xfrm>
+      </p:grpSpPr>
+      <p:sp>
+        <p:nvSpPr>
+          <p:cNvPr id="2" name="Slide Image Placeholder 1"/>
+          <p:cNvSpPr>
+            <a:spLocks noGrp="1" noRot="1" noChangeAspect="1"/>
+          </p:cNvSpPr>
+          <p:nvPr>
+            <p:ph type="sldImg"/>
+          </p:nvPr>
+        </p:nvSpPr>
+        <p:spPr/>
+      </p:sp>
+      <p:sp>
+        <p:nvSpPr>
+          <p:cNvPr id="3" name="Notes Placeholder 2"/>
+          <p:cNvSpPr>
+            <a:spLocks noGrp="1"/>
+          </p:cNvSpPr>
+          <p:nvPr>
+            <p:ph type="body" idx="1"/>
+          </p:nvPr>
+        </p:nvSpPr>
+        <p:spPr/>
+        <p:txBody>
+          <a:bodyPr/>
+          <a:lstStyle/>
+          <a:p>
+            <a:r>
+              <a:rPr lang="en-US" b="1" i="0" dirty="0">
+                <a:solidFill>
+                  <a:srgbClr val="565A5C"/>
+                </a:solidFill>
+                <a:effectLst/>
+                <a:latin typeface="Lato" panose="020F0502020204030203" pitchFamily="34" charset="0"/>
+              </a:rPr>
+              <a:t>You may want to make this 2 slides rather than one dependent upon what you want to show, or consider embedding video. Use this slide to show us what you have developed so far for your project. This should be practical work, such as the kind of work listed as being appropriate for your concept development and pre-production portfolio submission.</a:t>
+            </a:r>
+          </a:p>
+          <a:p>
+            <a:endParaRPr lang="en-US" b="1" i="0" dirty="0">
+              <a:solidFill>
+                <a:srgbClr val="565A5C"/>
+              </a:solidFill>
+              <a:effectLst/>
+              <a:latin typeface="Lato" panose="020F0502020204030203" pitchFamily="34" charset="0"/>
+            </a:endParaRPr>
+          </a:p>
+          <a:p>
+            <a:endParaRPr lang="en-IN" b="1" dirty="0"/>
+          </a:p>
+        </p:txBody>
+      </p:sp>
+      <p:sp>
+        <p:nvSpPr>
+          <p:cNvPr id="4" name="Slide Number Placeholder 3"/>
+          <p:cNvSpPr>
+            <a:spLocks noGrp="1"/>
+          </p:cNvSpPr>
+          <p:nvPr>
+            <p:ph type="sldNum" sz="quarter" idx="5"/>
+          </p:nvPr>
+        </p:nvSpPr>
+        <p:spPr/>
+        <p:txBody>
+          <a:bodyPr/>
+          <a:lstStyle/>
+          <a:p>
+            <a:fld id="{7CFFBB67-A05D-4BF7-A944-B32B8F114F55}" type="slidenum">
+              <a:rPr lang="en-IN" smtClean="0"/>
+              <a:t>5</a:t>
+            </a:fld>
+            <a:endParaRPr lang="en-IN"/>
+          </a:p>
+        </p:txBody>
+      </p:sp>
+    </p:spTree>
+    <p:extLst>
+      <p:ext uri="{BB962C8B-B14F-4D97-AF65-F5344CB8AC3E}">
+        <p14:creationId xmlns:p14="http://schemas.microsoft.com/office/powerpoint/2010/main" val="312089533"/>
       </p:ext>
     </p:extLst>
   </p:cSld>
@@ -804,7 +1348,7 @@
           <a:p>
             <a:fld id="{6DCFC1F5-745C-451C-A43A-1076D5FDF378}" type="datetimeFigureOut">
               <a:rPr lang="en-IN" smtClean="0"/>
-              <a:t>29-10-2022</a:t>
+              <a:t>30-10-2022</a:t>
             </a:fld>
             <a:endParaRPr lang="en-IN"/>
           </a:p>
@@ -1004,7 +1548,7 @@
           <a:p>
             <a:fld id="{6DCFC1F5-745C-451C-A43A-1076D5FDF378}" type="datetimeFigureOut">
               <a:rPr lang="en-IN" smtClean="0"/>
-              <a:t>29-10-2022</a:t>
+              <a:t>30-10-2022</a:t>
             </a:fld>
             <a:endParaRPr lang="en-IN"/>
           </a:p>
@@ -1214,7 +1758,7 @@
           <a:p>
             <a:fld id="{6DCFC1F5-745C-451C-A43A-1076D5FDF378}" type="datetimeFigureOut">
               <a:rPr lang="en-IN" smtClean="0"/>
-              <a:t>29-10-2022</a:t>
+              <a:t>30-10-2022</a:t>
             </a:fld>
             <a:endParaRPr lang="en-IN"/>
           </a:p>
@@ -1414,7 +1958,7 @@
           <a:p>
             <a:fld id="{6DCFC1F5-745C-451C-A43A-1076D5FDF378}" type="datetimeFigureOut">
               <a:rPr lang="en-IN" smtClean="0"/>
-              <a:t>29-10-2022</a:t>
+              <a:t>30-10-2022</a:t>
             </a:fld>
             <a:endParaRPr lang="en-IN"/>
           </a:p>
@@ -1690,7 +2234,7 @@
           <a:p>
             <a:fld id="{6DCFC1F5-745C-451C-A43A-1076D5FDF378}" type="datetimeFigureOut">
               <a:rPr lang="en-IN" smtClean="0"/>
-              <a:t>29-10-2022</a:t>
+              <a:t>30-10-2022</a:t>
             </a:fld>
             <a:endParaRPr lang="en-IN"/>
           </a:p>
@@ -1958,7 +2502,7 @@
           <a:p>
             <a:fld id="{6DCFC1F5-745C-451C-A43A-1076D5FDF378}" type="datetimeFigureOut">
               <a:rPr lang="en-IN" smtClean="0"/>
-              <a:t>29-10-2022</a:t>
+              <a:t>30-10-2022</a:t>
             </a:fld>
             <a:endParaRPr lang="en-IN"/>
           </a:p>
@@ -2373,7 +2917,7 @@
           <a:p>
             <a:fld id="{6DCFC1F5-745C-451C-A43A-1076D5FDF378}" type="datetimeFigureOut">
               <a:rPr lang="en-IN" smtClean="0"/>
-              <a:t>29-10-2022</a:t>
+              <a:t>30-10-2022</a:t>
             </a:fld>
             <a:endParaRPr lang="en-IN"/>
           </a:p>
@@ -2515,7 +3059,7 @@
           <a:p>
             <a:fld id="{6DCFC1F5-745C-451C-A43A-1076D5FDF378}" type="datetimeFigureOut">
               <a:rPr lang="en-IN" smtClean="0"/>
-              <a:t>29-10-2022</a:t>
+              <a:t>30-10-2022</a:t>
             </a:fld>
             <a:endParaRPr lang="en-IN"/>
           </a:p>
@@ -2628,7 +3172,7 @@
           <a:p>
             <a:fld id="{6DCFC1F5-745C-451C-A43A-1076D5FDF378}" type="datetimeFigureOut">
               <a:rPr lang="en-IN" smtClean="0"/>
-              <a:t>29-10-2022</a:t>
+              <a:t>30-10-2022</a:t>
             </a:fld>
             <a:endParaRPr lang="en-IN"/>
           </a:p>
@@ -2941,7 +3485,7 @@
           <a:p>
             <a:fld id="{6DCFC1F5-745C-451C-A43A-1076D5FDF378}" type="datetimeFigureOut">
               <a:rPr lang="en-IN" smtClean="0"/>
-              <a:t>29-10-2022</a:t>
+              <a:t>30-10-2022</a:t>
             </a:fld>
             <a:endParaRPr lang="en-IN"/>
           </a:p>
@@ -3230,7 +3774,7 @@
           <a:p>
             <a:fld id="{6DCFC1F5-745C-451C-A43A-1076D5FDF378}" type="datetimeFigureOut">
               <a:rPr lang="en-IN" smtClean="0"/>
-              <a:t>29-10-2022</a:t>
+              <a:t>30-10-2022</a:t>
             </a:fld>
             <a:endParaRPr lang="en-IN"/>
           </a:p>
@@ -3473,7 +4017,7 @@
           <a:p>
             <a:fld id="{6DCFC1F5-745C-451C-A43A-1076D5FDF378}" type="datetimeFigureOut">
               <a:rPr lang="en-IN" smtClean="0"/>
-              <a:t>29-10-2022</a:t>
+              <a:t>30-10-2022</a:t>
             </a:fld>
             <a:endParaRPr lang="en-IN"/>
           </a:p>
@@ -4230,6 +4774,1000 @@
     <p:extLst>
       <p:ext uri="{BB962C8B-B14F-4D97-AF65-F5344CB8AC3E}">
         <p14:creationId xmlns:p14="http://schemas.microsoft.com/office/powerpoint/2010/main" val="3947628342"/>
+      </p:ext>
+    </p:extLst>
+  </p:cSld>
+  <p:clrMapOvr>
+    <a:masterClrMapping/>
+  </p:clrMapOvr>
+</p:sld>
+</file>
+
+<file path=ppt/slides/slide3.xml><?xml version="1.0" encoding="utf-8"?>
+<p:sld xmlns:a="http://schemas.openxmlformats.org/drawingml/2006/main" xmlns:r="http://schemas.openxmlformats.org/officeDocument/2006/relationships" xmlns:p="http://schemas.openxmlformats.org/presentationml/2006/main">
+  <p:cSld>
+    <p:bg>
+      <p:bgPr>
+        <a:solidFill>
+          <a:schemeClr val="tx1">
+            <a:lumMod val="85000"/>
+            <a:lumOff val="15000"/>
+          </a:schemeClr>
+        </a:solidFill>
+        <a:effectLst/>
+      </p:bgPr>
+    </p:bg>
+    <p:spTree>
+      <p:nvGrpSpPr>
+        <p:cNvPr id="1" name=""/>
+        <p:cNvGrpSpPr/>
+        <p:nvPr/>
+      </p:nvGrpSpPr>
+      <p:grpSpPr>
+        <a:xfrm>
+          <a:off x="0" y="0"/>
+          <a:ext cx="0" cy="0"/>
+          <a:chOff x="0" y="0"/>
+          <a:chExt cx="0" cy="0"/>
+        </a:xfrm>
+      </p:grpSpPr>
+      <p:sp>
+        <p:nvSpPr>
+          <p:cNvPr id="5" name="Subtitle 2">
+            <a:extLst>
+              <a:ext uri="{FF2B5EF4-FFF2-40B4-BE49-F238E27FC236}">
+                <a16:creationId xmlns:a16="http://schemas.microsoft.com/office/drawing/2014/main" id="{65B37A7A-A247-8E83-C615-6A6074DC634C}"/>
+              </a:ext>
+            </a:extLst>
+          </p:cNvPr>
+          <p:cNvSpPr>
+            <a:spLocks noGrp="1"/>
+          </p:cNvSpPr>
+          <p:nvPr>
+            <p:ph type="subTitle" idx="1"/>
+          </p:nvPr>
+        </p:nvSpPr>
+        <p:spPr>
+          <a:xfrm>
+            <a:off x="352425" y="356381"/>
+            <a:ext cx="11487150" cy="1026650"/>
+          </a:xfrm>
+        </p:spPr>
+        <p:txBody>
+          <a:bodyPr anchor="ctr">
+            <a:normAutofit/>
+          </a:bodyPr>
+          <a:lstStyle/>
+          <a:p>
+            <a:pPr rtl="0">
+              <a:spcBef>
+                <a:spcPts val="0"/>
+              </a:spcBef>
+              <a:spcAft>
+                <a:spcPts val="0"/>
+              </a:spcAft>
+            </a:pPr>
+            <a:r>
+              <a:rPr lang="en-GB" b="1" dirty="0">
+                <a:solidFill>
+                  <a:schemeClr val="accent4">
+                    <a:lumMod val="60000"/>
+                    <a:lumOff val="40000"/>
+                  </a:schemeClr>
+                </a:solidFill>
+              </a:rPr>
+              <a:t>To explore the interplay between narrative and game design and how to shape game design around a narrative by the creation of “narrative puzzles”.</a:t>
+            </a:r>
+            <a:endParaRPr lang="en-US" b="1" dirty="0">
+              <a:solidFill>
+                <a:schemeClr val="accent4">
+                  <a:lumMod val="60000"/>
+                  <a:lumOff val="40000"/>
+                </a:schemeClr>
+              </a:solidFill>
+            </a:endParaRPr>
+          </a:p>
+        </p:txBody>
+      </p:sp>
+      <p:sp>
+        <p:nvSpPr>
+          <p:cNvPr id="7" name="Subtitle 2">
+            <a:extLst>
+              <a:ext uri="{FF2B5EF4-FFF2-40B4-BE49-F238E27FC236}">
+                <a16:creationId xmlns:a16="http://schemas.microsoft.com/office/drawing/2014/main" id="{DF6223A3-8B21-D36F-9C36-EB59F327460A}"/>
+              </a:ext>
+            </a:extLst>
+          </p:cNvPr>
+          <p:cNvSpPr txBox="1">
+            <a:spLocks/>
+          </p:cNvSpPr>
+          <p:nvPr/>
+        </p:nvSpPr>
+        <p:spPr>
+          <a:xfrm>
+            <a:off x="352425" y="1383031"/>
+            <a:ext cx="11487151" cy="548178"/>
+          </a:xfrm>
+          <a:prstGeom prst="rect">
+            <a:avLst/>
+          </a:prstGeom>
+        </p:spPr>
+        <p:txBody>
+          <a:bodyPr vert="horz" lIns="91440" tIns="45720" rIns="91440" bIns="45720" rtlCol="0" anchor="ctr">
+            <a:normAutofit/>
+          </a:bodyPr>
+          <a:lstStyle>
+            <a:lvl1pPr marL="0" indent="0" algn="ctr" defTabSz="914400" rtl="0" eaLnBrk="1" latinLnBrk="0" hangingPunct="1">
+              <a:lnSpc>
+                <a:spcPct val="90000"/>
+              </a:lnSpc>
+              <a:spcBef>
+                <a:spcPts val="1000"/>
+              </a:spcBef>
+              <a:buFont typeface="Arial" panose="020B0604020202020204" pitchFamily="34" charset="0"/>
+              <a:buNone/>
+              <a:defRPr sz="2400" kern="1200">
+                <a:solidFill>
+                  <a:schemeClr val="tx1"/>
+                </a:solidFill>
+                <a:latin typeface="+mn-lt"/>
+                <a:ea typeface="+mn-ea"/>
+                <a:cs typeface="+mn-cs"/>
+              </a:defRPr>
+            </a:lvl1pPr>
+            <a:lvl2pPr marL="457200" indent="0" algn="ctr" defTabSz="914400" rtl="0" eaLnBrk="1" latinLnBrk="0" hangingPunct="1">
+              <a:lnSpc>
+                <a:spcPct val="90000"/>
+              </a:lnSpc>
+              <a:spcBef>
+                <a:spcPts val="500"/>
+              </a:spcBef>
+              <a:buFont typeface="Arial" panose="020B0604020202020204" pitchFamily="34" charset="0"/>
+              <a:buNone/>
+              <a:defRPr sz="2000" kern="1200">
+                <a:solidFill>
+                  <a:schemeClr val="tx1"/>
+                </a:solidFill>
+                <a:latin typeface="+mn-lt"/>
+                <a:ea typeface="+mn-ea"/>
+                <a:cs typeface="+mn-cs"/>
+              </a:defRPr>
+            </a:lvl2pPr>
+            <a:lvl3pPr marL="914400" indent="0" algn="ctr" defTabSz="914400" rtl="0" eaLnBrk="1" latinLnBrk="0" hangingPunct="1">
+              <a:lnSpc>
+                <a:spcPct val="90000"/>
+              </a:lnSpc>
+              <a:spcBef>
+                <a:spcPts val="500"/>
+              </a:spcBef>
+              <a:buFont typeface="Arial" panose="020B0604020202020204" pitchFamily="34" charset="0"/>
+              <a:buNone/>
+              <a:defRPr sz="1800" kern="1200">
+                <a:solidFill>
+                  <a:schemeClr val="tx1"/>
+                </a:solidFill>
+                <a:latin typeface="+mn-lt"/>
+                <a:ea typeface="+mn-ea"/>
+                <a:cs typeface="+mn-cs"/>
+              </a:defRPr>
+            </a:lvl3pPr>
+            <a:lvl4pPr marL="1371600" indent="0" algn="ctr" defTabSz="914400" rtl="0" eaLnBrk="1" latinLnBrk="0" hangingPunct="1">
+              <a:lnSpc>
+                <a:spcPct val="90000"/>
+              </a:lnSpc>
+              <a:spcBef>
+                <a:spcPts val="500"/>
+              </a:spcBef>
+              <a:buFont typeface="Arial" panose="020B0604020202020204" pitchFamily="34" charset="0"/>
+              <a:buNone/>
+              <a:defRPr sz="1600" kern="1200">
+                <a:solidFill>
+                  <a:schemeClr val="tx1"/>
+                </a:solidFill>
+                <a:latin typeface="+mn-lt"/>
+                <a:ea typeface="+mn-ea"/>
+                <a:cs typeface="+mn-cs"/>
+              </a:defRPr>
+            </a:lvl4pPr>
+            <a:lvl5pPr marL="1828800" indent="0" algn="ctr" defTabSz="914400" rtl="0" eaLnBrk="1" latinLnBrk="0" hangingPunct="1">
+              <a:lnSpc>
+                <a:spcPct val="90000"/>
+              </a:lnSpc>
+              <a:spcBef>
+                <a:spcPts val="500"/>
+              </a:spcBef>
+              <a:buFont typeface="Arial" panose="020B0604020202020204" pitchFamily="34" charset="0"/>
+              <a:buNone/>
+              <a:defRPr sz="1600" kern="1200">
+                <a:solidFill>
+                  <a:schemeClr val="tx1"/>
+                </a:solidFill>
+                <a:latin typeface="+mn-lt"/>
+                <a:ea typeface="+mn-ea"/>
+                <a:cs typeface="+mn-cs"/>
+              </a:defRPr>
+            </a:lvl5pPr>
+            <a:lvl6pPr marL="2286000" indent="0" algn="ctr" defTabSz="914400" rtl="0" eaLnBrk="1" latinLnBrk="0" hangingPunct="1">
+              <a:lnSpc>
+                <a:spcPct val="90000"/>
+              </a:lnSpc>
+              <a:spcBef>
+                <a:spcPts val="500"/>
+              </a:spcBef>
+              <a:buFont typeface="Arial" panose="020B0604020202020204" pitchFamily="34" charset="0"/>
+              <a:buNone/>
+              <a:defRPr sz="1600" kern="1200">
+                <a:solidFill>
+                  <a:schemeClr val="tx1"/>
+                </a:solidFill>
+                <a:latin typeface="+mn-lt"/>
+                <a:ea typeface="+mn-ea"/>
+                <a:cs typeface="+mn-cs"/>
+              </a:defRPr>
+            </a:lvl6pPr>
+            <a:lvl7pPr marL="2743200" indent="0" algn="ctr" defTabSz="914400" rtl="0" eaLnBrk="1" latinLnBrk="0" hangingPunct="1">
+              <a:lnSpc>
+                <a:spcPct val="90000"/>
+              </a:lnSpc>
+              <a:spcBef>
+                <a:spcPts val="500"/>
+              </a:spcBef>
+              <a:buFont typeface="Arial" panose="020B0604020202020204" pitchFamily="34" charset="0"/>
+              <a:buNone/>
+              <a:defRPr sz="1600" kern="1200">
+                <a:solidFill>
+                  <a:schemeClr val="tx1"/>
+                </a:solidFill>
+                <a:latin typeface="+mn-lt"/>
+                <a:ea typeface="+mn-ea"/>
+                <a:cs typeface="+mn-cs"/>
+              </a:defRPr>
+            </a:lvl7pPr>
+            <a:lvl8pPr marL="3200400" indent="0" algn="ctr" defTabSz="914400" rtl="0" eaLnBrk="1" latinLnBrk="0" hangingPunct="1">
+              <a:lnSpc>
+                <a:spcPct val="90000"/>
+              </a:lnSpc>
+              <a:spcBef>
+                <a:spcPts val="500"/>
+              </a:spcBef>
+              <a:buFont typeface="Arial" panose="020B0604020202020204" pitchFamily="34" charset="0"/>
+              <a:buNone/>
+              <a:defRPr sz="1600" kern="1200">
+                <a:solidFill>
+                  <a:schemeClr val="tx1"/>
+                </a:solidFill>
+                <a:latin typeface="+mn-lt"/>
+                <a:ea typeface="+mn-ea"/>
+                <a:cs typeface="+mn-cs"/>
+              </a:defRPr>
+            </a:lvl8pPr>
+            <a:lvl9pPr marL="3657600" indent="0" algn="ctr" defTabSz="914400" rtl="0" eaLnBrk="1" latinLnBrk="0" hangingPunct="1">
+              <a:lnSpc>
+                <a:spcPct val="90000"/>
+              </a:lnSpc>
+              <a:spcBef>
+                <a:spcPts val="500"/>
+              </a:spcBef>
+              <a:buFont typeface="Arial" panose="020B0604020202020204" pitchFamily="34" charset="0"/>
+              <a:buNone/>
+              <a:defRPr sz="1600" kern="1200">
+                <a:solidFill>
+                  <a:schemeClr val="tx1"/>
+                </a:solidFill>
+                <a:latin typeface="+mn-lt"/>
+                <a:ea typeface="+mn-ea"/>
+                <a:cs typeface="+mn-cs"/>
+              </a:defRPr>
+            </a:lvl9pPr>
+          </a:lstStyle>
+          <a:p>
+            <a:pPr>
+              <a:spcBef>
+                <a:spcPts val="0"/>
+              </a:spcBef>
+            </a:pPr>
+            <a:r>
+              <a:rPr lang="en-GB" b="1" dirty="0">
+                <a:solidFill>
+                  <a:schemeClr val="accent1">
+                    <a:lumMod val="60000"/>
+                    <a:lumOff val="40000"/>
+                  </a:schemeClr>
+                </a:solidFill>
+              </a:rPr>
+              <a:t>OBJECTIVES</a:t>
+            </a:r>
+          </a:p>
+        </p:txBody>
+      </p:sp>
+      <p:graphicFrame>
+        <p:nvGraphicFramePr>
+          <p:cNvPr id="8" name="Table 8">
+            <a:extLst>
+              <a:ext uri="{FF2B5EF4-FFF2-40B4-BE49-F238E27FC236}">
+                <a16:creationId xmlns:a16="http://schemas.microsoft.com/office/drawing/2014/main" id="{2FB752D6-6DDC-DB33-CF7C-631011B97DEB}"/>
+              </a:ext>
+            </a:extLst>
+          </p:cNvPr>
+          <p:cNvGraphicFramePr>
+            <a:graphicFrameLocks noGrp="1"/>
+          </p:cNvGraphicFramePr>
+          <p:nvPr>
+            <p:extLst>
+              <p:ext uri="{D42A27DB-BD31-4B8C-83A1-F6EECF244321}">
+                <p14:modId xmlns:p14="http://schemas.microsoft.com/office/powerpoint/2010/main" val="93293933"/>
+              </p:ext>
+            </p:extLst>
+          </p:nvPr>
+        </p:nvGraphicFramePr>
+        <p:xfrm>
+          <a:off x="352424" y="2112499"/>
+          <a:ext cx="11487151" cy="4389120"/>
+        </p:xfrm>
+        <a:graphic>
+          <a:graphicData uri="http://schemas.openxmlformats.org/drawingml/2006/table">
+            <a:tbl>
+              <a:tblPr>
+                <a:tableStyleId>{073A0DAA-6AF3-43AB-8588-CEC1D06C72B9}</a:tableStyleId>
+              </a:tblPr>
+              <a:tblGrid>
+                <a:gridCol w="665372">
+                  <a:extLst>
+                    <a:ext uri="{9D8B030D-6E8A-4147-A177-3AD203B41FA5}">
+                      <a16:colId xmlns:a16="http://schemas.microsoft.com/office/drawing/2014/main" val="2293142235"/>
+                    </a:ext>
+                  </a:extLst>
+                </a:gridCol>
+                <a:gridCol w="10821779">
+                  <a:extLst>
+                    <a:ext uri="{9D8B030D-6E8A-4147-A177-3AD203B41FA5}">
+                      <a16:colId xmlns:a16="http://schemas.microsoft.com/office/drawing/2014/main" val="1517404973"/>
+                    </a:ext>
+                  </a:extLst>
+                </a:gridCol>
+              </a:tblGrid>
+              <a:tr h="370840">
+                <a:tc>
+                  <a:txBody>
+                    <a:bodyPr/>
+                    <a:lstStyle/>
+                    <a:p>
+                      <a:pPr algn="ctr"/>
+                      <a:r>
+                        <a:rPr lang="en-GB" sz="1800" dirty="0">
+                          <a:solidFill>
+                            <a:schemeClr val="accent2">
+                              <a:lumMod val="60000"/>
+                              <a:lumOff val="40000"/>
+                            </a:schemeClr>
+                          </a:solidFill>
+                          <a:effectLst/>
+                        </a:rPr>
+                        <a:t>1 </a:t>
+                      </a:r>
+                      <a:endParaRPr lang="en-IN" sz="1800" dirty="0">
+                        <a:solidFill>
+                          <a:schemeClr val="accent2">
+                            <a:lumMod val="60000"/>
+                            <a:lumOff val="40000"/>
+                          </a:schemeClr>
+                        </a:solidFill>
+                        <a:effectLst/>
+                        <a:latin typeface="Calibri" panose="020F0502020204030204" pitchFamily="34" charset="0"/>
+                        <a:ea typeface="Calibri" panose="020F0502020204030204" pitchFamily="34" charset="0"/>
+                        <a:cs typeface="Times New Roman" panose="02020603050405020304" pitchFamily="18" charset="0"/>
+                      </a:endParaRPr>
+                    </a:p>
+                  </a:txBody>
+                  <a:tcPr marL="68580" marR="68580" marT="0" marB="0" anchor="ctr">
+                    <a:solidFill>
+                      <a:schemeClr val="tx1">
+                        <a:lumMod val="85000"/>
+                        <a:lumOff val="15000"/>
+                      </a:schemeClr>
+                    </a:solidFill>
+                  </a:tcPr>
+                </a:tc>
+                <a:tc>
+                  <a:txBody>
+                    <a:bodyPr/>
+                    <a:lstStyle/>
+                    <a:p>
+                      <a:endParaRPr lang="en-GB" sz="1800" dirty="0">
+                        <a:solidFill>
+                          <a:schemeClr val="accent2">
+                            <a:lumMod val="60000"/>
+                            <a:lumOff val="40000"/>
+                          </a:schemeClr>
+                        </a:solidFill>
+                        <a:effectLst/>
+                      </a:endParaRPr>
+                    </a:p>
+                    <a:p>
+                      <a:r>
+                        <a:rPr lang="en-GB" sz="1800" dirty="0">
+                          <a:solidFill>
+                            <a:schemeClr val="accent2">
+                              <a:lumMod val="60000"/>
+                              <a:lumOff val="40000"/>
+                            </a:schemeClr>
+                          </a:solidFill>
+                          <a:effectLst/>
+                        </a:rPr>
+                        <a:t>Research about choices and narrative in games by reading books on game design and watching GDC talks of other games which have done it or tried to before and where they’ve failed/ succeeded.</a:t>
+                      </a:r>
+                    </a:p>
+                    <a:p>
+                      <a:endParaRPr lang="en-IN" sz="1800" dirty="0">
+                        <a:solidFill>
+                          <a:schemeClr val="accent2">
+                            <a:lumMod val="60000"/>
+                            <a:lumOff val="40000"/>
+                          </a:schemeClr>
+                        </a:solidFill>
+                        <a:effectLst/>
+                      </a:endParaRPr>
+                    </a:p>
+                  </a:txBody>
+                  <a:tcPr marL="68580" marR="68580" marT="0" marB="0" anchor="ctr">
+                    <a:solidFill>
+                      <a:schemeClr val="tx1">
+                        <a:lumMod val="85000"/>
+                        <a:lumOff val="15000"/>
+                      </a:schemeClr>
+                    </a:solidFill>
+                  </a:tcPr>
+                </a:tc>
+                <a:extLst>
+                  <a:ext uri="{0D108BD9-81ED-4DB2-BD59-A6C34878D82A}">
+                    <a16:rowId xmlns:a16="http://schemas.microsoft.com/office/drawing/2014/main" val="1561149293"/>
+                  </a:ext>
+                </a:extLst>
+              </a:tr>
+              <a:tr h="370840">
+                <a:tc>
+                  <a:txBody>
+                    <a:bodyPr/>
+                    <a:lstStyle/>
+                    <a:p>
+                      <a:pPr algn="ctr"/>
+                      <a:endParaRPr lang="en-GB" sz="1800" dirty="0">
+                        <a:solidFill>
+                          <a:schemeClr val="accent2">
+                            <a:lumMod val="60000"/>
+                            <a:lumOff val="40000"/>
+                          </a:schemeClr>
+                        </a:solidFill>
+                        <a:effectLst/>
+                      </a:endParaRPr>
+                    </a:p>
+                    <a:p>
+                      <a:pPr algn="ctr"/>
+                      <a:r>
+                        <a:rPr lang="en-GB" sz="1800" dirty="0">
+                          <a:solidFill>
+                            <a:schemeClr val="accent2">
+                              <a:lumMod val="60000"/>
+                              <a:lumOff val="40000"/>
+                            </a:schemeClr>
+                          </a:solidFill>
+                          <a:effectLst/>
+                        </a:rPr>
+                        <a:t>2</a:t>
+                      </a:r>
+                    </a:p>
+                    <a:p>
+                      <a:pPr algn="ctr"/>
+                      <a:endParaRPr lang="en-IN" sz="1800" dirty="0">
+                        <a:solidFill>
+                          <a:schemeClr val="accent2">
+                            <a:lumMod val="60000"/>
+                            <a:lumOff val="40000"/>
+                          </a:schemeClr>
+                        </a:solidFill>
+                        <a:effectLst/>
+                      </a:endParaRPr>
+                    </a:p>
+                  </a:txBody>
+                  <a:tcPr marL="68580" marR="68580" marT="0" marB="0" anchor="ctr">
+                    <a:solidFill>
+                      <a:schemeClr val="tx1">
+                        <a:lumMod val="85000"/>
+                        <a:lumOff val="15000"/>
+                      </a:schemeClr>
+                    </a:solidFill>
+                  </a:tcPr>
+                </a:tc>
+                <a:tc>
+                  <a:txBody>
+                    <a:bodyPr/>
+                    <a:lstStyle/>
+                    <a:p>
+                      <a:r>
+                        <a:rPr lang="en-GB" sz="1800" dirty="0">
+                          <a:solidFill>
+                            <a:schemeClr val="accent2">
+                              <a:lumMod val="60000"/>
+                              <a:lumOff val="40000"/>
+                            </a:schemeClr>
+                          </a:solidFill>
+                          <a:effectLst/>
+                        </a:rPr>
+                        <a:t>Explore other games which are driven by narrative rather than by puzzles and identify how they have done it.</a:t>
+                      </a:r>
+                      <a:endParaRPr lang="en-IN" sz="1800" dirty="0">
+                        <a:solidFill>
+                          <a:schemeClr val="accent2">
+                            <a:lumMod val="60000"/>
+                            <a:lumOff val="40000"/>
+                          </a:schemeClr>
+                        </a:solidFill>
+                        <a:effectLst/>
+                        <a:latin typeface="Calibri" panose="020F0502020204030204" pitchFamily="34" charset="0"/>
+                        <a:ea typeface="Calibri" panose="020F0502020204030204" pitchFamily="34" charset="0"/>
+                        <a:cs typeface="Times New Roman" panose="02020603050405020304" pitchFamily="18" charset="0"/>
+                      </a:endParaRPr>
+                    </a:p>
+                  </a:txBody>
+                  <a:tcPr marL="68580" marR="68580" marT="0" marB="0" anchor="ctr">
+                    <a:solidFill>
+                      <a:schemeClr val="tx1">
+                        <a:lumMod val="85000"/>
+                        <a:lumOff val="15000"/>
+                      </a:schemeClr>
+                    </a:solidFill>
+                  </a:tcPr>
+                </a:tc>
+                <a:extLst>
+                  <a:ext uri="{0D108BD9-81ED-4DB2-BD59-A6C34878D82A}">
+                    <a16:rowId xmlns:a16="http://schemas.microsoft.com/office/drawing/2014/main" val="340708948"/>
+                  </a:ext>
+                </a:extLst>
+              </a:tr>
+              <a:tr h="370840">
+                <a:tc>
+                  <a:txBody>
+                    <a:bodyPr/>
+                    <a:lstStyle/>
+                    <a:p>
+                      <a:pPr algn="ctr"/>
+                      <a:endParaRPr lang="en-GB" sz="1800" dirty="0">
+                        <a:solidFill>
+                          <a:schemeClr val="accent2">
+                            <a:lumMod val="60000"/>
+                            <a:lumOff val="40000"/>
+                          </a:schemeClr>
+                        </a:solidFill>
+                        <a:effectLst/>
+                      </a:endParaRPr>
+                    </a:p>
+                    <a:p>
+                      <a:pPr algn="ctr"/>
+                      <a:r>
+                        <a:rPr lang="en-GB" sz="1800" dirty="0">
+                          <a:solidFill>
+                            <a:schemeClr val="accent2">
+                              <a:lumMod val="60000"/>
+                              <a:lumOff val="40000"/>
+                            </a:schemeClr>
+                          </a:solidFill>
+                          <a:effectLst/>
+                        </a:rPr>
+                        <a:t>3</a:t>
+                      </a:r>
+                      <a:endParaRPr lang="en-IN" sz="1800" dirty="0">
+                        <a:solidFill>
+                          <a:schemeClr val="accent2">
+                            <a:lumMod val="60000"/>
+                            <a:lumOff val="40000"/>
+                          </a:schemeClr>
+                        </a:solidFill>
+                        <a:effectLst/>
+                      </a:endParaRPr>
+                    </a:p>
+                    <a:p>
+                      <a:pPr algn="ctr"/>
+                      <a:r>
+                        <a:rPr lang="en-GB" sz="1800" dirty="0">
+                          <a:solidFill>
+                            <a:schemeClr val="accent2">
+                              <a:lumMod val="60000"/>
+                              <a:lumOff val="40000"/>
+                            </a:schemeClr>
+                          </a:solidFill>
+                          <a:effectLst/>
+                        </a:rPr>
+                        <a:t> </a:t>
+                      </a:r>
+                      <a:endParaRPr lang="en-IN" sz="1800" dirty="0">
+                        <a:solidFill>
+                          <a:schemeClr val="accent2">
+                            <a:lumMod val="60000"/>
+                            <a:lumOff val="40000"/>
+                          </a:schemeClr>
+                        </a:solidFill>
+                        <a:effectLst/>
+                      </a:endParaRPr>
+                    </a:p>
+                  </a:txBody>
+                  <a:tcPr marL="68580" marR="68580" marT="0" marB="0" anchor="ctr">
+                    <a:solidFill>
+                      <a:schemeClr val="tx1">
+                        <a:lumMod val="85000"/>
+                        <a:lumOff val="15000"/>
+                      </a:schemeClr>
+                    </a:solidFill>
+                  </a:tcPr>
+                </a:tc>
+                <a:tc>
+                  <a:txBody>
+                    <a:bodyPr/>
+                    <a:lstStyle/>
+                    <a:p>
+                      <a:r>
+                        <a:rPr lang="en-GB" sz="1800" dirty="0">
+                          <a:solidFill>
+                            <a:schemeClr val="accent2">
+                              <a:lumMod val="60000"/>
+                              <a:lumOff val="40000"/>
+                            </a:schemeClr>
+                          </a:solidFill>
+                          <a:effectLst/>
+                        </a:rPr>
+                        <a:t>Identify the main events in the narrative of my game and whether the player can progress in the story without completing the puzzles or is forced to solve it before they can proceed and do more exploration.</a:t>
+                      </a:r>
+                      <a:endParaRPr lang="en-IN" sz="1800" dirty="0">
+                        <a:solidFill>
+                          <a:schemeClr val="accent2">
+                            <a:lumMod val="60000"/>
+                            <a:lumOff val="40000"/>
+                          </a:schemeClr>
+                        </a:solidFill>
+                        <a:effectLst/>
+                      </a:endParaRPr>
+                    </a:p>
+                  </a:txBody>
+                  <a:tcPr marL="68580" marR="68580" marT="0" marB="0" anchor="ctr">
+                    <a:solidFill>
+                      <a:schemeClr val="tx1">
+                        <a:lumMod val="85000"/>
+                        <a:lumOff val="15000"/>
+                      </a:schemeClr>
+                    </a:solidFill>
+                  </a:tcPr>
+                </a:tc>
+                <a:extLst>
+                  <a:ext uri="{0D108BD9-81ED-4DB2-BD59-A6C34878D82A}">
+                    <a16:rowId xmlns:a16="http://schemas.microsoft.com/office/drawing/2014/main" val="3775057079"/>
+                  </a:ext>
+                </a:extLst>
+              </a:tr>
+              <a:tr h="370840">
+                <a:tc>
+                  <a:txBody>
+                    <a:bodyPr/>
+                    <a:lstStyle/>
+                    <a:p>
+                      <a:pPr algn="ctr"/>
+                      <a:endParaRPr lang="en-GB" sz="1800" dirty="0">
+                        <a:solidFill>
+                          <a:schemeClr val="accent2">
+                            <a:lumMod val="60000"/>
+                            <a:lumOff val="40000"/>
+                          </a:schemeClr>
+                        </a:solidFill>
+                        <a:effectLst/>
+                      </a:endParaRPr>
+                    </a:p>
+                    <a:p>
+                      <a:pPr algn="ctr"/>
+                      <a:r>
+                        <a:rPr lang="en-GB" sz="1800" dirty="0">
+                          <a:solidFill>
+                            <a:schemeClr val="accent2">
+                              <a:lumMod val="60000"/>
+                              <a:lumOff val="40000"/>
+                            </a:schemeClr>
+                          </a:solidFill>
+                          <a:effectLst/>
+                        </a:rPr>
+                        <a:t>4</a:t>
+                      </a:r>
+                      <a:endParaRPr lang="en-IN" sz="1800" dirty="0">
+                        <a:solidFill>
+                          <a:schemeClr val="accent2">
+                            <a:lumMod val="60000"/>
+                            <a:lumOff val="40000"/>
+                          </a:schemeClr>
+                        </a:solidFill>
+                        <a:effectLst/>
+                      </a:endParaRPr>
+                    </a:p>
+                    <a:p>
+                      <a:pPr algn="ctr"/>
+                      <a:r>
+                        <a:rPr lang="en-GB" sz="1800" dirty="0">
+                          <a:solidFill>
+                            <a:schemeClr val="accent2">
+                              <a:lumMod val="60000"/>
+                              <a:lumOff val="40000"/>
+                            </a:schemeClr>
+                          </a:solidFill>
+                          <a:effectLst/>
+                        </a:rPr>
+                        <a:t> </a:t>
+                      </a:r>
+                      <a:endParaRPr lang="en-IN" sz="1800" dirty="0">
+                        <a:solidFill>
+                          <a:schemeClr val="accent2">
+                            <a:lumMod val="60000"/>
+                            <a:lumOff val="40000"/>
+                          </a:schemeClr>
+                        </a:solidFill>
+                        <a:effectLst/>
+                        <a:latin typeface="Calibri" panose="020F0502020204030204" pitchFamily="34" charset="0"/>
+                        <a:ea typeface="Calibri" panose="020F0502020204030204" pitchFamily="34" charset="0"/>
+                        <a:cs typeface="Times New Roman" panose="02020603050405020304" pitchFamily="18" charset="0"/>
+                      </a:endParaRPr>
+                    </a:p>
+                  </a:txBody>
+                  <a:tcPr marL="68580" marR="68580" marT="0" marB="0" anchor="ctr">
+                    <a:solidFill>
+                      <a:schemeClr val="tx1">
+                        <a:lumMod val="85000"/>
+                        <a:lumOff val="15000"/>
+                      </a:schemeClr>
+                    </a:solidFill>
+                  </a:tcPr>
+                </a:tc>
+                <a:tc>
+                  <a:txBody>
+                    <a:bodyPr/>
+                    <a:lstStyle/>
+                    <a:p>
+                      <a:r>
+                        <a:rPr lang="en-GB" sz="1800" dirty="0">
+                          <a:solidFill>
+                            <a:schemeClr val="accent2">
+                              <a:lumMod val="60000"/>
+                              <a:lumOff val="40000"/>
+                            </a:schemeClr>
+                          </a:solidFill>
+                          <a:effectLst/>
+                        </a:rPr>
+                        <a:t>Work on different gameplay elements in the engine such as dialogue system, movement, ai and more.</a:t>
+                      </a:r>
+                      <a:endParaRPr lang="en-IN" sz="1800" dirty="0">
+                        <a:solidFill>
+                          <a:schemeClr val="accent2">
+                            <a:lumMod val="60000"/>
+                            <a:lumOff val="40000"/>
+                          </a:schemeClr>
+                        </a:solidFill>
+                        <a:effectLst/>
+                        <a:latin typeface="Calibri" panose="020F0502020204030204" pitchFamily="34" charset="0"/>
+                        <a:ea typeface="Calibri" panose="020F0502020204030204" pitchFamily="34" charset="0"/>
+                        <a:cs typeface="Times New Roman" panose="02020603050405020304" pitchFamily="18" charset="0"/>
+                      </a:endParaRPr>
+                    </a:p>
+                  </a:txBody>
+                  <a:tcPr marL="68580" marR="68580" marT="0" marB="0" anchor="ctr">
+                    <a:solidFill>
+                      <a:schemeClr val="tx1">
+                        <a:lumMod val="85000"/>
+                        <a:lumOff val="15000"/>
+                      </a:schemeClr>
+                    </a:solidFill>
+                  </a:tcPr>
+                </a:tc>
+                <a:extLst>
+                  <a:ext uri="{0D108BD9-81ED-4DB2-BD59-A6C34878D82A}">
+                    <a16:rowId xmlns:a16="http://schemas.microsoft.com/office/drawing/2014/main" val="3149114819"/>
+                  </a:ext>
+                </a:extLst>
+              </a:tr>
+              <a:tr h="370840">
+                <a:tc>
+                  <a:txBody>
+                    <a:bodyPr/>
+                    <a:lstStyle/>
+                    <a:p>
+                      <a:pPr algn="ctr"/>
+                      <a:endParaRPr lang="en-GB" sz="1800" dirty="0">
+                        <a:solidFill>
+                          <a:schemeClr val="accent2">
+                            <a:lumMod val="60000"/>
+                            <a:lumOff val="40000"/>
+                          </a:schemeClr>
+                        </a:solidFill>
+                        <a:effectLst/>
+                      </a:endParaRPr>
+                    </a:p>
+                    <a:p>
+                      <a:pPr algn="ctr"/>
+                      <a:r>
+                        <a:rPr lang="en-GB" sz="1800" dirty="0">
+                          <a:solidFill>
+                            <a:schemeClr val="accent2">
+                              <a:lumMod val="60000"/>
+                              <a:lumOff val="40000"/>
+                            </a:schemeClr>
+                          </a:solidFill>
+                          <a:effectLst/>
+                        </a:rPr>
+                        <a:t>5</a:t>
+                      </a:r>
+                      <a:endParaRPr lang="en-IN" sz="1800" dirty="0">
+                        <a:solidFill>
+                          <a:schemeClr val="accent2">
+                            <a:lumMod val="60000"/>
+                            <a:lumOff val="40000"/>
+                          </a:schemeClr>
+                        </a:solidFill>
+                        <a:effectLst/>
+                      </a:endParaRPr>
+                    </a:p>
+                    <a:p>
+                      <a:pPr algn="ctr"/>
+                      <a:r>
+                        <a:rPr lang="en-GB" sz="1800" dirty="0">
+                          <a:solidFill>
+                            <a:schemeClr val="accent2">
+                              <a:lumMod val="60000"/>
+                              <a:lumOff val="40000"/>
+                            </a:schemeClr>
+                          </a:solidFill>
+                          <a:effectLst/>
+                        </a:rPr>
+                        <a:t> </a:t>
+                      </a:r>
+                      <a:endParaRPr lang="en-IN" sz="1800" dirty="0">
+                        <a:solidFill>
+                          <a:schemeClr val="accent2">
+                            <a:lumMod val="60000"/>
+                            <a:lumOff val="40000"/>
+                          </a:schemeClr>
+                        </a:solidFill>
+                        <a:effectLst/>
+                        <a:latin typeface="Calibri" panose="020F0502020204030204" pitchFamily="34" charset="0"/>
+                        <a:ea typeface="Calibri" panose="020F0502020204030204" pitchFamily="34" charset="0"/>
+                        <a:cs typeface="Times New Roman" panose="02020603050405020304" pitchFamily="18" charset="0"/>
+                      </a:endParaRPr>
+                    </a:p>
+                  </a:txBody>
+                  <a:tcPr marL="68580" marR="68580" marT="0" marB="0" anchor="ctr">
+                    <a:solidFill>
+                      <a:schemeClr val="tx1">
+                        <a:lumMod val="85000"/>
+                        <a:lumOff val="15000"/>
+                      </a:schemeClr>
+                    </a:solidFill>
+                  </a:tcPr>
+                </a:tc>
+                <a:tc>
+                  <a:txBody>
+                    <a:bodyPr/>
+                    <a:lstStyle/>
+                    <a:p>
+                      <a:r>
+                        <a:rPr lang="en-GB" sz="1800" dirty="0">
+                          <a:solidFill>
+                            <a:schemeClr val="accent2">
+                              <a:lumMod val="60000"/>
+                              <a:lumOff val="40000"/>
+                            </a:schemeClr>
+                          </a:solidFill>
+                          <a:effectLst/>
+                        </a:rPr>
+                        <a:t>Prototype a game with all these elements of game design and narrative design to give the player a fun and immersive experience.</a:t>
+                      </a:r>
+                    </a:p>
+                  </a:txBody>
+                  <a:tcPr marL="68580" marR="68580" marT="0" marB="0" anchor="ctr">
+                    <a:solidFill>
+                      <a:schemeClr val="tx1">
+                        <a:lumMod val="85000"/>
+                        <a:lumOff val="15000"/>
+                      </a:schemeClr>
+                    </a:solidFill>
+                  </a:tcPr>
+                </a:tc>
+                <a:extLst>
+                  <a:ext uri="{0D108BD9-81ED-4DB2-BD59-A6C34878D82A}">
+                    <a16:rowId xmlns:a16="http://schemas.microsoft.com/office/drawing/2014/main" val="3903522851"/>
+                  </a:ext>
+                </a:extLst>
+              </a:tr>
+            </a:tbl>
+          </a:graphicData>
+        </a:graphic>
+      </p:graphicFrame>
+    </p:spTree>
+    <p:extLst>
+      <p:ext uri="{BB962C8B-B14F-4D97-AF65-F5344CB8AC3E}">
+        <p14:creationId xmlns:p14="http://schemas.microsoft.com/office/powerpoint/2010/main" val="3784867216"/>
+      </p:ext>
+    </p:extLst>
+  </p:cSld>
+  <p:clrMapOvr>
+    <a:masterClrMapping/>
+  </p:clrMapOvr>
+</p:sld>
+</file>
+
+<file path=ppt/slides/slide4.xml><?xml version="1.0" encoding="utf-8"?>
+<p:sld xmlns:a="http://schemas.openxmlformats.org/drawingml/2006/main" xmlns:r="http://schemas.openxmlformats.org/officeDocument/2006/relationships" xmlns:p="http://schemas.openxmlformats.org/presentationml/2006/main">
+  <p:cSld>
+    <p:bg>
+      <p:bgPr>
+        <a:solidFill>
+          <a:schemeClr val="tx1">
+            <a:lumMod val="85000"/>
+            <a:lumOff val="15000"/>
+          </a:schemeClr>
+        </a:solidFill>
+        <a:effectLst/>
+      </p:bgPr>
+    </p:bg>
+    <p:spTree>
+      <p:nvGrpSpPr>
+        <p:cNvPr id="1" name=""/>
+        <p:cNvGrpSpPr/>
+        <p:nvPr/>
+      </p:nvGrpSpPr>
+      <p:grpSpPr>
+        <a:xfrm>
+          <a:off x="0" y="0"/>
+          <a:ext cx="0" cy="0"/>
+          <a:chOff x="0" y="0"/>
+          <a:chExt cx="0" cy="0"/>
+        </a:xfrm>
+      </p:grpSpPr>
+    </p:spTree>
+    <p:extLst>
+      <p:ext uri="{BB962C8B-B14F-4D97-AF65-F5344CB8AC3E}">
+        <p14:creationId xmlns:p14="http://schemas.microsoft.com/office/powerpoint/2010/main" val="2671928724"/>
+      </p:ext>
+    </p:extLst>
+  </p:cSld>
+  <p:clrMapOvr>
+    <a:masterClrMapping/>
+  </p:clrMapOvr>
+</p:sld>
+</file>
+
+<file path=ppt/slides/slide5.xml><?xml version="1.0" encoding="utf-8"?>
+<p:sld xmlns:a="http://schemas.openxmlformats.org/drawingml/2006/main" xmlns:r="http://schemas.openxmlformats.org/officeDocument/2006/relationships" xmlns:p="http://schemas.openxmlformats.org/presentationml/2006/main">
+  <p:cSld>
+    <p:bg>
+      <p:bgPr>
+        <a:solidFill>
+          <a:schemeClr val="tx1">
+            <a:lumMod val="85000"/>
+            <a:lumOff val="15000"/>
+          </a:schemeClr>
+        </a:solidFill>
+        <a:effectLst/>
+      </p:bgPr>
+    </p:bg>
+    <p:spTree>
+      <p:nvGrpSpPr>
+        <p:cNvPr id="1" name=""/>
+        <p:cNvGrpSpPr/>
+        <p:nvPr/>
+      </p:nvGrpSpPr>
+      <p:grpSpPr>
+        <a:xfrm>
+          <a:off x="0" y="0"/>
+          <a:ext cx="0" cy="0"/>
+          <a:chOff x="0" y="0"/>
+          <a:chExt cx="0" cy="0"/>
+        </a:xfrm>
+      </p:grpSpPr>
+    </p:spTree>
+    <p:extLst>
+      <p:ext uri="{BB962C8B-B14F-4D97-AF65-F5344CB8AC3E}">
+        <p14:creationId xmlns:p14="http://schemas.microsoft.com/office/powerpoint/2010/main" val="2025846601"/>
       </p:ext>
     </p:extLst>
   </p:cSld>

--- a/2. ART405 - Honours Project Proposal and Development/Presentation~ At the end of that life - Crossroads.pptx
+++ b/2. ART405 - Honours Project Proposal and Development/Presentation~ At the end of that life - Crossroads.pptx
@@ -5,14 +5,13 @@
     <p:sldMasterId id="2147483648" r:id="rId1"/>
   </p:sldMasterIdLst>
   <p:notesMasterIdLst>
-    <p:notesMasterId r:id="rId7"/>
+    <p:notesMasterId r:id="rId6"/>
   </p:notesMasterIdLst>
   <p:sldIdLst>
     <p:sldId id="256" r:id="rId2"/>
     <p:sldId id="257" r:id="rId3"/>
     <p:sldId id="258" r:id="rId4"/>
-    <p:sldId id="259" r:id="rId5"/>
-    <p:sldId id="260" r:id="rId6"/>
+    <p:sldId id="261" r:id="rId5"/>
   </p:sldIdLst>
   <p:sldSz cx="12192000" cy="6858000"/>
   <p:notesSz cx="6858000" cy="9144000"/>
@@ -201,7 +200,7 @@
           <a:p>
             <a:fld id="{91EC2A8B-B824-4C8C-9D49-45DA5A232DEE}" type="datetimeFigureOut">
               <a:rPr lang="en-IN" smtClean="0"/>
-              <a:t>30-10-2022</a:t>
+              <a:t>01-11-2022</a:t>
             </a:fld>
             <a:endParaRPr lang="en-IN"/>
           </a:p>
@@ -609,7 +608,7 @@
           <a:p>
             <a:r>
               <a:rPr lang="en-IN" dirty="0"/>
-              <a:t>The game will have a top down, isometric view which is like to Disco Elysium. Since we are trying to tell a story, the game mechanics will be based on the story and it will be mostly linear. This has been inspired from “What remains of Edith Finch” which tells us the story of the deaths in a family. The gameplay is very narrative driven and is unlike any having effortless, easy and yet unique puzzles. </a:t>
+              <a:t>The game will have a top down, isometric view which is like to Disco Elysium. Since we are trying to tell a story, the game mechanics will be based on the story and it will be mostly linear. The gameplay is inspired from “What remains of Edith Finch”  and is very narrative driven having effortless, easy and yet unique puzzles. </a:t>
             </a:r>
           </a:p>
           <a:p>
@@ -618,7 +617,7 @@
           <a:p>
             <a:r>
               <a:rPr lang="en-IN" dirty="0"/>
-              <a:t>I’ve always liked prototyping games. Since this is my hons year project, I wanted to work on something more challenging and this project is a bit more ambitious that the other games I’ve worked on. It will be helpful to have it on my portfolio as I want to start my own Studio. This will showcase my design and development skills as well as being the team lead will show my project management.</a:t>
+              <a:t>I’ve always liked prototyping games. Since this is my hons year project, I wanted to work on something more challenging and this project is a more ambitious that the other games I’ve worked on. It will be helpful to have it on my portfolio as I want to start my own Studio. This will showcase my design and development skills as well as being the team lead will show my project management.</a:t>
             </a:r>
           </a:p>
         </p:txBody>
@@ -888,7 +887,7 @@
                   </a:schemeClr>
                 </a:solidFill>
               </a:rPr>
-              <a:t>Identifying main events in the narrative of my game and deciding how to go about gamer progression.</a:t>
+              <a:t>Identifying main events in the narrative of my game and deciding how to go about game progression.</a:t>
             </a:r>
           </a:p>
           <a:p>
@@ -1041,19 +1040,8 @@
                 <a:effectLst/>
                 <a:latin typeface="Lato" panose="020F0502020204030203" pitchFamily="34" charset="0"/>
               </a:rPr>
-              <a:t>What have you identified as the key related work for your project? This could be texts you have read/will read, industry or market reports, professional publications or talks, other artists or practitioners, or existing games, art, or media linked to your research topic. Consider the research context section of your proposal when preparing this slide.</a:t>
-            </a:r>
-          </a:p>
-          <a:p>
-            <a:endParaRPr lang="en-US" b="1" i="0" dirty="0">
-              <a:solidFill>
-                <a:srgbClr val="565A5C"/>
-              </a:solidFill>
-              <a:effectLst/>
-              <a:latin typeface="Lato" panose="020F0502020204030203" pitchFamily="34" charset="0"/>
-            </a:endParaRPr>
-          </a:p>
-          <a:p>
+              <a:t>This is our WIP</a:t>
+            </a:r>
             <a:endParaRPr lang="en-IN" b="1" dirty="0"/>
           </a:p>
         </p:txBody>
@@ -1084,112 +1072,7 @@
     </p:spTree>
     <p:extLst>
       <p:ext uri="{BB962C8B-B14F-4D97-AF65-F5344CB8AC3E}">
-        <p14:creationId xmlns:p14="http://schemas.microsoft.com/office/powerpoint/2010/main" val="3056548642"/>
-      </p:ext>
-    </p:extLst>
-  </p:cSld>
-  <p:clrMapOvr>
-    <a:masterClrMapping/>
-  </p:clrMapOvr>
-</p:notes>
-</file>
-
-<file path=ppt/notesSlides/notesSlide5.xml><?xml version="1.0" encoding="utf-8"?>
-<p:notes xmlns:a="http://schemas.openxmlformats.org/drawingml/2006/main" xmlns:r="http://schemas.openxmlformats.org/officeDocument/2006/relationships" xmlns:p="http://schemas.openxmlformats.org/presentationml/2006/main">
-  <p:cSld>
-    <p:spTree>
-      <p:nvGrpSpPr>
-        <p:cNvPr id="1" name=""/>
-        <p:cNvGrpSpPr/>
-        <p:nvPr/>
-      </p:nvGrpSpPr>
-      <p:grpSpPr>
-        <a:xfrm>
-          <a:off x="0" y="0"/>
-          <a:ext cx="0" cy="0"/>
-          <a:chOff x="0" y="0"/>
-          <a:chExt cx="0" cy="0"/>
-        </a:xfrm>
-      </p:grpSpPr>
-      <p:sp>
-        <p:nvSpPr>
-          <p:cNvPr id="2" name="Slide Image Placeholder 1"/>
-          <p:cNvSpPr>
-            <a:spLocks noGrp="1" noRot="1" noChangeAspect="1"/>
-          </p:cNvSpPr>
-          <p:nvPr>
-            <p:ph type="sldImg"/>
-          </p:nvPr>
-        </p:nvSpPr>
-        <p:spPr/>
-      </p:sp>
-      <p:sp>
-        <p:nvSpPr>
-          <p:cNvPr id="3" name="Notes Placeholder 2"/>
-          <p:cNvSpPr>
-            <a:spLocks noGrp="1"/>
-          </p:cNvSpPr>
-          <p:nvPr>
-            <p:ph type="body" idx="1"/>
-          </p:nvPr>
-        </p:nvSpPr>
-        <p:spPr/>
-        <p:txBody>
-          <a:bodyPr/>
-          <a:lstStyle/>
-          <a:p>
-            <a:r>
-              <a:rPr lang="en-US" b="1" i="0" dirty="0">
-                <a:solidFill>
-                  <a:srgbClr val="565A5C"/>
-                </a:solidFill>
-                <a:effectLst/>
-                <a:latin typeface="Lato" panose="020F0502020204030203" pitchFamily="34" charset="0"/>
-              </a:rPr>
-              <a:t>You may want to make this 2 slides rather than one dependent upon what you want to show, or consider embedding video. Use this slide to show us what you have developed so far for your project. This should be practical work, such as the kind of work listed as being appropriate for your concept development and pre-production portfolio submission.</a:t>
-            </a:r>
-          </a:p>
-          <a:p>
-            <a:endParaRPr lang="en-US" b="1" i="0" dirty="0">
-              <a:solidFill>
-                <a:srgbClr val="565A5C"/>
-              </a:solidFill>
-              <a:effectLst/>
-              <a:latin typeface="Lato" panose="020F0502020204030203" pitchFamily="34" charset="0"/>
-            </a:endParaRPr>
-          </a:p>
-          <a:p>
-            <a:endParaRPr lang="en-IN" b="1" dirty="0"/>
-          </a:p>
-        </p:txBody>
-      </p:sp>
-      <p:sp>
-        <p:nvSpPr>
-          <p:cNvPr id="4" name="Slide Number Placeholder 3"/>
-          <p:cNvSpPr>
-            <a:spLocks noGrp="1"/>
-          </p:cNvSpPr>
-          <p:nvPr>
-            <p:ph type="sldNum" sz="quarter" idx="5"/>
-          </p:nvPr>
-        </p:nvSpPr>
-        <p:spPr/>
-        <p:txBody>
-          <a:bodyPr/>
-          <a:lstStyle/>
-          <a:p>
-            <a:fld id="{7CFFBB67-A05D-4BF7-A944-B32B8F114F55}" type="slidenum">
-              <a:rPr lang="en-IN" smtClean="0"/>
-              <a:t>5</a:t>
-            </a:fld>
-            <a:endParaRPr lang="en-IN"/>
-          </a:p>
-        </p:txBody>
-      </p:sp>
-    </p:spTree>
-    <p:extLst>
-      <p:ext uri="{BB962C8B-B14F-4D97-AF65-F5344CB8AC3E}">
-        <p14:creationId xmlns:p14="http://schemas.microsoft.com/office/powerpoint/2010/main" val="312089533"/>
+        <p14:creationId xmlns:p14="http://schemas.microsoft.com/office/powerpoint/2010/main" val="3861037649"/>
       </p:ext>
     </p:extLst>
   </p:cSld>
@@ -1348,7 +1231,7 @@
           <a:p>
             <a:fld id="{6DCFC1F5-745C-451C-A43A-1076D5FDF378}" type="datetimeFigureOut">
               <a:rPr lang="en-IN" smtClean="0"/>
-              <a:t>30-10-2022</a:t>
+              <a:t>01-11-2022</a:t>
             </a:fld>
             <a:endParaRPr lang="en-IN"/>
           </a:p>
@@ -1548,7 +1431,7 @@
           <a:p>
             <a:fld id="{6DCFC1F5-745C-451C-A43A-1076D5FDF378}" type="datetimeFigureOut">
               <a:rPr lang="en-IN" smtClean="0"/>
-              <a:t>30-10-2022</a:t>
+              <a:t>01-11-2022</a:t>
             </a:fld>
             <a:endParaRPr lang="en-IN"/>
           </a:p>
@@ -1758,7 +1641,7 @@
           <a:p>
             <a:fld id="{6DCFC1F5-745C-451C-A43A-1076D5FDF378}" type="datetimeFigureOut">
               <a:rPr lang="en-IN" smtClean="0"/>
-              <a:t>30-10-2022</a:t>
+              <a:t>01-11-2022</a:t>
             </a:fld>
             <a:endParaRPr lang="en-IN"/>
           </a:p>
@@ -1958,7 +1841,7 @@
           <a:p>
             <a:fld id="{6DCFC1F5-745C-451C-A43A-1076D5FDF378}" type="datetimeFigureOut">
               <a:rPr lang="en-IN" smtClean="0"/>
-              <a:t>30-10-2022</a:t>
+              <a:t>01-11-2022</a:t>
             </a:fld>
             <a:endParaRPr lang="en-IN"/>
           </a:p>
@@ -2234,7 +2117,7 @@
           <a:p>
             <a:fld id="{6DCFC1F5-745C-451C-A43A-1076D5FDF378}" type="datetimeFigureOut">
               <a:rPr lang="en-IN" smtClean="0"/>
-              <a:t>30-10-2022</a:t>
+              <a:t>01-11-2022</a:t>
             </a:fld>
             <a:endParaRPr lang="en-IN"/>
           </a:p>
@@ -2502,7 +2385,7 @@
           <a:p>
             <a:fld id="{6DCFC1F5-745C-451C-A43A-1076D5FDF378}" type="datetimeFigureOut">
               <a:rPr lang="en-IN" smtClean="0"/>
-              <a:t>30-10-2022</a:t>
+              <a:t>01-11-2022</a:t>
             </a:fld>
             <a:endParaRPr lang="en-IN"/>
           </a:p>
@@ -2917,7 +2800,7 @@
           <a:p>
             <a:fld id="{6DCFC1F5-745C-451C-A43A-1076D5FDF378}" type="datetimeFigureOut">
               <a:rPr lang="en-IN" smtClean="0"/>
-              <a:t>30-10-2022</a:t>
+              <a:t>01-11-2022</a:t>
             </a:fld>
             <a:endParaRPr lang="en-IN"/>
           </a:p>
@@ -3059,7 +2942,7 @@
           <a:p>
             <a:fld id="{6DCFC1F5-745C-451C-A43A-1076D5FDF378}" type="datetimeFigureOut">
               <a:rPr lang="en-IN" smtClean="0"/>
-              <a:t>30-10-2022</a:t>
+              <a:t>01-11-2022</a:t>
             </a:fld>
             <a:endParaRPr lang="en-IN"/>
           </a:p>
@@ -3172,7 +3055,7 @@
           <a:p>
             <a:fld id="{6DCFC1F5-745C-451C-A43A-1076D5FDF378}" type="datetimeFigureOut">
               <a:rPr lang="en-IN" smtClean="0"/>
-              <a:t>30-10-2022</a:t>
+              <a:t>01-11-2022</a:t>
             </a:fld>
             <a:endParaRPr lang="en-IN"/>
           </a:p>
@@ -3485,7 +3368,7 @@
           <a:p>
             <a:fld id="{6DCFC1F5-745C-451C-A43A-1076D5FDF378}" type="datetimeFigureOut">
               <a:rPr lang="en-IN" smtClean="0"/>
-              <a:t>30-10-2022</a:t>
+              <a:t>01-11-2022</a:t>
             </a:fld>
             <a:endParaRPr lang="en-IN"/>
           </a:p>
@@ -3774,7 +3657,7 @@
           <a:p>
             <a:fld id="{6DCFC1F5-745C-451C-A43A-1076D5FDF378}" type="datetimeFigureOut">
               <a:rPr lang="en-IN" smtClean="0"/>
-              <a:t>30-10-2022</a:t>
+              <a:t>01-11-2022</a:t>
             </a:fld>
             <a:endParaRPr lang="en-IN"/>
           </a:p>
@@ -4017,7 +3900,7 @@
           <a:p>
             <a:fld id="{6DCFC1F5-745C-451C-A43A-1076D5FDF378}" type="datetimeFigureOut">
               <a:rPr lang="en-IN" smtClean="0"/>
-              <a:t>30-10-2022</a:t>
+              <a:t>01-11-2022</a:t>
             </a:fld>
             <a:endParaRPr lang="en-IN"/>
           </a:p>
@@ -4445,6 +4328,38 @@
           <a:chExt cx="0" cy="0"/>
         </a:xfrm>
       </p:grpSpPr>
+      <p:pic>
+        <p:nvPicPr>
+          <p:cNvPr id="6" name="Picture 5">
+            <a:extLst>
+              <a:ext uri="{FF2B5EF4-FFF2-40B4-BE49-F238E27FC236}">
+                <a16:creationId xmlns:a16="http://schemas.microsoft.com/office/drawing/2014/main" id="{BDD61C2C-06BB-2D51-42C4-AE932727697F}"/>
+              </a:ext>
+            </a:extLst>
+          </p:cNvPr>
+          <p:cNvPicPr>
+            <a:picLocks noChangeAspect="1"/>
+          </p:cNvPicPr>
+          <p:nvPr/>
+        </p:nvPicPr>
+        <p:blipFill>
+          <a:blip r:embed="rId3">
+            <a:alphaModFix/>
+          </a:blip>
+          <a:stretch>
+            <a:fillRect/>
+          </a:stretch>
+        </p:blipFill>
+        <p:spPr>
+          <a:xfrm>
+            <a:off x="0" y="0"/>
+            <a:ext cx="12192000" cy="6858000"/>
+          </a:xfrm>
+          <a:prstGeom prst="rect">
+            <a:avLst/>
+          </a:prstGeom>
+        </p:spPr>
+      </p:pic>
       <p:sp>
         <p:nvSpPr>
           <p:cNvPr id="2" name="Title 1">
@@ -4554,6 +4469,171 @@
   <p:clrMapOvr>
     <a:masterClrMapping/>
   </p:clrMapOvr>
+  <p:timing>
+    <p:tnLst>
+      <p:par>
+        <p:cTn id="1" dur="indefinite" restart="never" nodeType="tmRoot">
+          <p:childTnLst>
+            <p:seq concurrent="1" nextAc="seek">
+              <p:cTn id="2" dur="indefinite" nodeType="mainSeq">
+                <p:childTnLst>
+                  <p:par>
+                    <p:cTn id="3" fill="hold">
+                      <p:stCondLst>
+                        <p:cond delay="indefinite"/>
+                      </p:stCondLst>
+                      <p:childTnLst>
+                        <p:par>
+                          <p:cTn id="4" fill="hold">
+                            <p:stCondLst>
+                              <p:cond delay="0"/>
+                            </p:stCondLst>
+                            <p:childTnLst>
+                              <p:par>
+                                <p:cTn id="5" presetID="10" presetClass="exit" presetSubtype="0" fill="hold" grpId="0" nodeType="clickEffect">
+                                  <p:stCondLst>
+                                    <p:cond delay="0"/>
+                                  </p:stCondLst>
+                                  <p:childTnLst>
+                                    <p:animEffect transition="out" filter="fade">
+                                      <p:cBhvr>
+                                        <p:cTn id="6" dur="500"/>
+                                        <p:tgtEl>
+                                          <p:spTgt spid="2"/>
+                                        </p:tgtEl>
+                                      </p:cBhvr>
+                                    </p:animEffect>
+                                    <p:set>
+                                      <p:cBhvr>
+                                        <p:cTn id="7" dur="1" fill="hold">
+                                          <p:stCondLst>
+                                            <p:cond delay="499"/>
+                                          </p:stCondLst>
+                                        </p:cTn>
+                                        <p:tgtEl>
+                                          <p:spTgt spid="2"/>
+                                        </p:tgtEl>
+                                        <p:attrNameLst>
+                                          <p:attrName>style.visibility</p:attrName>
+                                        </p:attrNameLst>
+                                      </p:cBhvr>
+                                      <p:to>
+                                        <p:strVal val="hidden"/>
+                                      </p:to>
+                                    </p:set>
+                                  </p:childTnLst>
+                                </p:cTn>
+                              </p:par>
+                              <p:par>
+                                <p:cTn id="8" presetID="10" presetClass="exit" presetSubtype="0" fill="hold" grpId="0" nodeType="withEffect">
+                                  <p:stCondLst>
+                                    <p:cond delay="0"/>
+                                  </p:stCondLst>
+                                  <p:childTnLst>
+                                    <p:animEffect transition="out" filter="fade">
+                                      <p:cBhvr>
+                                        <p:cTn id="9" dur="500"/>
+                                        <p:tgtEl>
+                                          <p:spTgt spid="3">
+                                            <p:txEl>
+                                              <p:pRg st="0" end="0"/>
+                                            </p:txEl>
+                                          </p:spTgt>
+                                        </p:tgtEl>
+                                      </p:cBhvr>
+                                    </p:animEffect>
+                                    <p:set>
+                                      <p:cBhvr>
+                                        <p:cTn id="10" dur="1" fill="hold">
+                                          <p:stCondLst>
+                                            <p:cond delay="499"/>
+                                          </p:stCondLst>
+                                        </p:cTn>
+                                        <p:tgtEl>
+                                          <p:spTgt spid="3">
+                                            <p:txEl>
+                                              <p:pRg st="0" end="0"/>
+                                            </p:txEl>
+                                          </p:spTgt>
+                                        </p:tgtEl>
+                                        <p:attrNameLst>
+                                          <p:attrName>style.visibility</p:attrName>
+                                        </p:attrNameLst>
+                                      </p:cBhvr>
+                                      <p:to>
+                                        <p:strVal val="hidden"/>
+                                      </p:to>
+                                    </p:set>
+                                  </p:childTnLst>
+                                </p:cTn>
+                              </p:par>
+                              <p:par>
+                                <p:cTn id="11" presetID="10" presetClass="entr" presetSubtype="0" fill="hold" nodeType="withEffect">
+                                  <p:stCondLst>
+                                    <p:cond delay="0"/>
+                                  </p:stCondLst>
+                                  <p:childTnLst>
+                                    <p:set>
+                                      <p:cBhvr>
+                                        <p:cTn id="12" dur="1" fill="hold">
+                                          <p:stCondLst>
+                                            <p:cond delay="0"/>
+                                          </p:stCondLst>
+                                        </p:cTn>
+                                        <p:tgtEl>
+                                          <p:spTgt spid="6"/>
+                                        </p:tgtEl>
+                                        <p:attrNameLst>
+                                          <p:attrName>style.visibility</p:attrName>
+                                        </p:attrNameLst>
+                                      </p:cBhvr>
+                                      <p:to>
+                                        <p:strVal val="visible"/>
+                                      </p:to>
+                                    </p:set>
+                                    <p:animEffect transition="in" filter="fade">
+                                      <p:cBhvr>
+                                        <p:cTn id="13" dur="500"/>
+                                        <p:tgtEl>
+                                          <p:spTgt spid="6"/>
+                                        </p:tgtEl>
+                                      </p:cBhvr>
+                                    </p:animEffect>
+                                  </p:childTnLst>
+                                </p:cTn>
+                              </p:par>
+                            </p:childTnLst>
+                          </p:cTn>
+                        </p:par>
+                      </p:childTnLst>
+                    </p:cTn>
+                  </p:par>
+                </p:childTnLst>
+              </p:cTn>
+              <p:prevCondLst>
+                <p:cond evt="onPrev" delay="0">
+                  <p:tgtEl>
+                    <p:sldTgt/>
+                  </p:tgtEl>
+                </p:cond>
+              </p:prevCondLst>
+              <p:nextCondLst>
+                <p:cond evt="onNext" delay="0">
+                  <p:tgtEl>
+                    <p:sldTgt/>
+                  </p:tgtEl>
+                </p:cond>
+              </p:nextCondLst>
+            </p:seq>
+          </p:childTnLst>
+        </p:cTn>
+      </p:par>
+    </p:tnLst>
+    <p:bldLst>
+      <p:bldP spid="2" grpId="0"/>
+      <p:bldP spid="3" grpId="0" build="p"/>
+    </p:bldLst>
+  </p:timing>
 </p:sld>
 </file>
 
@@ -5726,48 +5806,7 @@
     </p:spTree>
     <p:extLst>
       <p:ext uri="{BB962C8B-B14F-4D97-AF65-F5344CB8AC3E}">
-        <p14:creationId xmlns:p14="http://schemas.microsoft.com/office/powerpoint/2010/main" val="2671928724"/>
-      </p:ext>
-    </p:extLst>
-  </p:cSld>
-  <p:clrMapOvr>
-    <a:masterClrMapping/>
-  </p:clrMapOvr>
-</p:sld>
-</file>
-
-<file path=ppt/slides/slide5.xml><?xml version="1.0" encoding="utf-8"?>
-<p:sld xmlns:a="http://schemas.openxmlformats.org/drawingml/2006/main" xmlns:r="http://schemas.openxmlformats.org/officeDocument/2006/relationships" xmlns:p="http://schemas.openxmlformats.org/presentationml/2006/main">
-  <p:cSld>
-    <p:bg>
-      <p:bgPr>
-        <a:solidFill>
-          <a:schemeClr val="tx1">
-            <a:lumMod val="85000"/>
-            <a:lumOff val="15000"/>
-          </a:schemeClr>
-        </a:solidFill>
-        <a:effectLst/>
-      </p:bgPr>
-    </p:bg>
-    <p:spTree>
-      <p:nvGrpSpPr>
-        <p:cNvPr id="1" name=""/>
-        <p:cNvGrpSpPr/>
-        <p:nvPr/>
-      </p:nvGrpSpPr>
-      <p:grpSpPr>
-        <a:xfrm>
-          <a:off x="0" y="0"/>
-          <a:ext cx="0" cy="0"/>
-          <a:chOff x="0" y="0"/>
-          <a:chExt cx="0" cy="0"/>
-        </a:xfrm>
-      </p:grpSpPr>
-    </p:spTree>
-    <p:extLst>
-      <p:ext uri="{BB962C8B-B14F-4D97-AF65-F5344CB8AC3E}">
-        <p14:creationId xmlns:p14="http://schemas.microsoft.com/office/powerpoint/2010/main" val="2025846601"/>
+        <p14:creationId xmlns:p14="http://schemas.microsoft.com/office/powerpoint/2010/main" val="873927816"/>
       </p:ext>
     </p:extLst>
   </p:cSld>
